--- a/doc/raw/ClassDiagram.pptx
+++ b/doc/raw/ClassDiagram.pptx
@@ -104,6 +104,11 @@
       </a:defRPr>
     </a:lvl9pPr>
   </p:defaultTextStyle>
+  <p:extLst>
+    <p:ext uri="{EFAFB233-063F-42B5-8137-9DF3F51BA10A}">
+      <p15:sldGuideLst xmlns:p15="http://schemas.microsoft.com/office/powerpoint/2012/main"/>
+    </p:ext>
+  </p:extLst>
 </p:presentation>
 </file>
 
@@ -238,7 +243,7 @@
           <a:p>
             <a:fld id="{CAB92DF8-A770-43AE-9515-9BB4EF6426B0}" type="datetimeFigureOut">
               <a:rPr lang="en-US" smtClean="0"/>
-              <a:t>5/31/2016</a:t>
+              <a:t>6/3/16</a:t>
             </a:fld>
             <a:endParaRPr lang="en-US"/>
           </a:p>
@@ -408,7 +413,7 @@
           <a:p>
             <a:fld id="{CAB92DF8-A770-43AE-9515-9BB4EF6426B0}" type="datetimeFigureOut">
               <a:rPr lang="en-US" smtClean="0"/>
-              <a:t>5/31/2016</a:t>
+              <a:t>6/3/16</a:t>
             </a:fld>
             <a:endParaRPr lang="en-US"/>
           </a:p>
@@ -588,7 +593,7 @@
           <a:p>
             <a:fld id="{CAB92DF8-A770-43AE-9515-9BB4EF6426B0}" type="datetimeFigureOut">
               <a:rPr lang="en-US" smtClean="0"/>
-              <a:t>5/31/2016</a:t>
+              <a:t>6/3/16</a:t>
             </a:fld>
             <a:endParaRPr lang="en-US"/>
           </a:p>
@@ -758,7 +763,7 @@
           <a:p>
             <a:fld id="{CAB92DF8-A770-43AE-9515-9BB4EF6426B0}" type="datetimeFigureOut">
               <a:rPr lang="en-US" smtClean="0"/>
-              <a:t>5/31/2016</a:t>
+              <a:t>6/3/16</a:t>
             </a:fld>
             <a:endParaRPr lang="en-US"/>
           </a:p>
@@ -1004,7 +1009,7 @@
           <a:p>
             <a:fld id="{CAB92DF8-A770-43AE-9515-9BB4EF6426B0}" type="datetimeFigureOut">
               <a:rPr lang="en-US" smtClean="0"/>
-              <a:t>5/31/2016</a:t>
+              <a:t>6/3/16</a:t>
             </a:fld>
             <a:endParaRPr lang="en-US"/>
           </a:p>
@@ -1236,7 +1241,7 @@
           <a:p>
             <a:fld id="{CAB92DF8-A770-43AE-9515-9BB4EF6426B0}" type="datetimeFigureOut">
               <a:rPr lang="en-US" smtClean="0"/>
-              <a:t>5/31/2016</a:t>
+              <a:t>6/3/16</a:t>
             </a:fld>
             <a:endParaRPr lang="en-US"/>
           </a:p>
@@ -1603,7 +1608,7 @@
           <a:p>
             <a:fld id="{CAB92DF8-A770-43AE-9515-9BB4EF6426B0}" type="datetimeFigureOut">
               <a:rPr lang="en-US" smtClean="0"/>
-              <a:t>5/31/2016</a:t>
+              <a:t>6/3/16</a:t>
             </a:fld>
             <a:endParaRPr lang="en-US"/>
           </a:p>
@@ -1721,7 +1726,7 @@
           <a:p>
             <a:fld id="{CAB92DF8-A770-43AE-9515-9BB4EF6426B0}" type="datetimeFigureOut">
               <a:rPr lang="en-US" smtClean="0"/>
-              <a:t>5/31/2016</a:t>
+              <a:t>6/3/16</a:t>
             </a:fld>
             <a:endParaRPr lang="en-US"/>
           </a:p>
@@ -1816,7 +1821,7 @@
           <a:p>
             <a:fld id="{CAB92DF8-A770-43AE-9515-9BB4EF6426B0}" type="datetimeFigureOut">
               <a:rPr lang="en-US" smtClean="0"/>
-              <a:t>5/31/2016</a:t>
+              <a:t>6/3/16</a:t>
             </a:fld>
             <a:endParaRPr lang="en-US"/>
           </a:p>
@@ -2093,7 +2098,7 @@
           <a:p>
             <a:fld id="{CAB92DF8-A770-43AE-9515-9BB4EF6426B0}" type="datetimeFigureOut">
               <a:rPr lang="en-US" smtClean="0"/>
-              <a:t>5/31/2016</a:t>
+              <a:t>6/3/16</a:t>
             </a:fld>
             <a:endParaRPr lang="en-US"/>
           </a:p>
@@ -2346,7 +2351,7 @@
           <a:p>
             <a:fld id="{CAB92DF8-A770-43AE-9515-9BB4EF6426B0}" type="datetimeFigureOut">
               <a:rPr lang="en-US" smtClean="0"/>
-              <a:t>5/31/2016</a:t>
+              <a:t>6/3/16</a:t>
             </a:fld>
             <a:endParaRPr lang="en-US"/>
           </a:p>
@@ -2559,7 +2564,7 @@
           <a:p>
             <a:fld id="{CAB92DF8-A770-43AE-9515-9BB4EF6426B0}" type="datetimeFigureOut">
               <a:rPr lang="en-US" smtClean="0"/>
-              <a:t>5/31/2016</a:t>
+              <a:t>6/3/16</a:t>
             </a:fld>
             <a:endParaRPr lang="en-US"/>
           </a:p>
@@ -3006,7 +3011,7 @@
             <a:r>
               <a:rPr lang="en-US" sz="1400" dirty="0" smtClean="0">
                 <a:solidFill>
-                  <a:schemeClr val="tx1"/>
+                  <a:srgbClr val="FF0000"/>
                 </a:solidFill>
               </a:rPr>
               <a:t>Receipt</a:t>
@@ -3016,7 +3021,7 @@
             <a:r>
               <a:rPr lang="en-US" sz="1400" dirty="0" smtClean="0">
                 <a:solidFill>
-                  <a:schemeClr val="tx1"/>
+                  <a:srgbClr val="FF0000"/>
                 </a:solidFill>
               </a:rPr>
               <a:t>Id</a:t>
@@ -3026,14 +3031,14 @@
             <a:r>
               <a:rPr lang="en-US" sz="1400" dirty="0" err="1" smtClean="0">
                 <a:solidFill>
-                  <a:schemeClr val="tx1"/>
+                  <a:srgbClr val="FF0000"/>
                 </a:solidFill>
               </a:rPr>
               <a:t>Customer_id</a:t>
             </a:r>
             <a:endParaRPr lang="en-US" sz="1400" dirty="0" smtClean="0">
               <a:solidFill>
-                <a:schemeClr val="tx1"/>
+                <a:srgbClr val="FF0000"/>
               </a:solidFill>
             </a:endParaRPr>
           </a:p>
@@ -3041,14 +3046,14 @@
             <a:r>
               <a:rPr lang="en-US" sz="1400" dirty="0" err="1" smtClean="0">
                 <a:solidFill>
-                  <a:schemeClr val="tx1"/>
+                  <a:srgbClr val="FF0000"/>
                 </a:solidFill>
               </a:rPr>
               <a:t>Store_id</a:t>
             </a:r>
             <a:endParaRPr lang="en-US" sz="1400" dirty="0" smtClean="0">
               <a:solidFill>
-                <a:schemeClr val="tx1"/>
+                <a:srgbClr val="FF0000"/>
               </a:solidFill>
             </a:endParaRPr>
           </a:p>
@@ -3056,28 +3061,28 @@
             <a:r>
               <a:rPr lang="en-US" sz="1400" dirty="0" err="1" smtClean="0">
                 <a:solidFill>
-                  <a:schemeClr val="tx1"/>
+                  <a:srgbClr val="FF0000"/>
                 </a:solidFill>
               </a:rPr>
               <a:t>Category_id</a:t>
             </a:r>
             <a:endParaRPr lang="en-US" sz="1400" dirty="0" smtClean="0">
               <a:solidFill>
-                <a:schemeClr val="tx1"/>
+                <a:srgbClr val="FF0000"/>
               </a:solidFill>
             </a:endParaRPr>
           </a:p>
           <a:p>
             <a:endParaRPr lang="en-US" sz="1400" dirty="0" smtClean="0">
               <a:solidFill>
-                <a:schemeClr val="tx1"/>
+                <a:srgbClr val="FF0000"/>
               </a:solidFill>
             </a:endParaRPr>
           </a:p>
           <a:p>
             <a:endParaRPr lang="en-US" sz="1400" dirty="0">
               <a:solidFill>
-                <a:schemeClr val="tx1"/>
+                <a:srgbClr val="FF0000"/>
               </a:solidFill>
             </a:endParaRPr>
           </a:p>
@@ -3125,7 +3130,7 @@
             <a:r>
               <a:rPr lang="en-US" sz="1400" dirty="0" smtClean="0">
                 <a:solidFill>
-                  <a:schemeClr val="tx1"/>
+                  <a:srgbClr val="FF0000"/>
                 </a:solidFill>
               </a:rPr>
               <a:t>Store</a:t>
@@ -3135,7 +3140,7 @@
             <a:r>
               <a:rPr lang="en-US" sz="1400" dirty="0" smtClean="0">
                 <a:solidFill>
-                  <a:schemeClr val="tx1"/>
+                  <a:srgbClr val="FF0000"/>
                 </a:solidFill>
               </a:rPr>
               <a:t>Id</a:t>
@@ -3145,7 +3150,7 @@
             <a:r>
               <a:rPr lang="en-US" sz="1400" dirty="0" smtClean="0">
                 <a:solidFill>
-                  <a:schemeClr val="tx1"/>
+                  <a:srgbClr val="FF0000"/>
                 </a:solidFill>
               </a:rPr>
               <a:t>name</a:t>
@@ -3154,14 +3159,14 @@
           <a:p>
             <a:endParaRPr lang="en-US" sz="1400" dirty="0" smtClean="0">
               <a:solidFill>
-                <a:schemeClr val="tx1"/>
+                <a:srgbClr val="FF0000"/>
               </a:solidFill>
             </a:endParaRPr>
           </a:p>
           <a:p>
             <a:endParaRPr lang="en-US" sz="1400" dirty="0">
               <a:solidFill>
-                <a:schemeClr val="tx1"/>
+                <a:srgbClr val="FF0000"/>
               </a:solidFill>
             </a:endParaRPr>
           </a:p>
@@ -3209,7 +3214,7 @@
             <a:r>
               <a:rPr lang="en-US" sz="1400" dirty="0" smtClean="0">
                 <a:solidFill>
-                  <a:schemeClr val="tx1"/>
+                  <a:srgbClr val="FF0000"/>
                 </a:solidFill>
               </a:rPr>
               <a:t>Category</a:t>
@@ -3219,7 +3224,7 @@
             <a:r>
               <a:rPr lang="en-US" sz="1400" dirty="0" smtClean="0">
                 <a:solidFill>
-                  <a:schemeClr val="tx1"/>
+                  <a:srgbClr val="FF0000"/>
                 </a:solidFill>
               </a:rPr>
               <a:t>Id</a:t>
@@ -3229,7 +3234,7 @@
             <a:r>
               <a:rPr lang="en-US" sz="1400" dirty="0" smtClean="0">
                 <a:solidFill>
-                  <a:schemeClr val="tx1"/>
+                  <a:srgbClr val="FF0000"/>
                 </a:solidFill>
               </a:rPr>
               <a:t>name</a:t>
@@ -3238,7 +3243,7 @@
           <a:p>
             <a:endParaRPr lang="en-US" sz="1400" dirty="0">
               <a:solidFill>
-                <a:schemeClr val="tx1"/>
+                <a:srgbClr val="FF0000"/>
               </a:solidFill>
             </a:endParaRPr>
           </a:p>
@@ -3365,14 +3370,14 @@
             <a:r>
               <a:rPr lang="en-US" sz="1400" dirty="0" err="1" smtClean="0">
                 <a:solidFill>
-                  <a:schemeClr val="tx1"/>
+                  <a:srgbClr val="FF0000"/>
                 </a:solidFill>
               </a:rPr>
               <a:t>StoreCategory</a:t>
             </a:r>
             <a:endParaRPr lang="en-US" sz="1400" dirty="0" smtClean="0">
               <a:solidFill>
-                <a:schemeClr val="tx1"/>
+                <a:srgbClr val="FF0000"/>
               </a:solidFill>
             </a:endParaRPr>
           </a:p>
@@ -3380,14 +3385,14 @@
             <a:r>
               <a:rPr lang="en-US" sz="1400" dirty="0" err="1" smtClean="0">
                 <a:solidFill>
-                  <a:schemeClr val="tx1"/>
+                  <a:srgbClr val="FF0000"/>
                 </a:solidFill>
               </a:rPr>
               <a:t>Store_Id</a:t>
             </a:r>
             <a:endParaRPr lang="en-US" sz="1400" dirty="0" smtClean="0">
               <a:solidFill>
-                <a:schemeClr val="tx1"/>
+                <a:srgbClr val="FF0000"/>
               </a:solidFill>
             </a:endParaRPr>
           </a:p>
@@ -3395,28 +3400,28 @@
             <a:r>
               <a:rPr lang="en-US" sz="1400" dirty="0" err="1" smtClean="0">
                 <a:solidFill>
-                  <a:schemeClr val="tx1"/>
+                  <a:srgbClr val="FF0000"/>
                 </a:solidFill>
               </a:rPr>
               <a:t>Category_id</a:t>
             </a:r>
             <a:endParaRPr lang="en-US" sz="1400" dirty="0" smtClean="0">
               <a:solidFill>
-                <a:schemeClr val="tx1"/>
+                <a:srgbClr val="FF0000"/>
               </a:solidFill>
             </a:endParaRPr>
           </a:p>
           <a:p>
             <a:endParaRPr lang="en-US" sz="1400" dirty="0" smtClean="0">
               <a:solidFill>
-                <a:schemeClr val="tx1"/>
+                <a:srgbClr val="FF0000"/>
               </a:solidFill>
             </a:endParaRPr>
           </a:p>
           <a:p>
             <a:endParaRPr lang="en-US" sz="1400" dirty="0">
               <a:solidFill>
-                <a:schemeClr val="tx1"/>
+                <a:srgbClr val="FF0000"/>
               </a:solidFill>
             </a:endParaRPr>
           </a:p>
@@ -3464,7 +3469,7 @@
             <a:r>
               <a:rPr lang="en-US" sz="1400" dirty="0" smtClean="0">
                 <a:solidFill>
-                  <a:schemeClr val="tx1"/>
+                  <a:srgbClr val="FF0000"/>
                 </a:solidFill>
               </a:rPr>
               <a:t>Tag</a:t>
@@ -3474,7 +3479,7 @@
             <a:r>
               <a:rPr lang="en-US" sz="1400" dirty="0" smtClean="0">
                 <a:solidFill>
-                  <a:schemeClr val="tx1"/>
+                  <a:srgbClr val="FF0000"/>
                 </a:solidFill>
               </a:rPr>
               <a:t>Id</a:t>
@@ -3484,7 +3489,7 @@
             <a:r>
               <a:rPr lang="en-US" sz="1400" dirty="0" smtClean="0">
                 <a:solidFill>
-                  <a:schemeClr val="tx1"/>
+                  <a:srgbClr val="FF0000"/>
                 </a:solidFill>
               </a:rPr>
               <a:t>name</a:t>
@@ -3493,14 +3498,14 @@
           <a:p>
             <a:endParaRPr lang="en-US" sz="1400" dirty="0" smtClean="0">
               <a:solidFill>
-                <a:schemeClr val="tx1"/>
+                <a:srgbClr val="FF0000"/>
               </a:solidFill>
             </a:endParaRPr>
           </a:p>
           <a:p>
             <a:endParaRPr lang="en-US" sz="1400" dirty="0">
               <a:solidFill>
-                <a:schemeClr val="tx1"/>
+                <a:srgbClr val="FF0000"/>
               </a:solidFill>
             </a:endParaRPr>
           </a:p>
@@ -3548,14 +3553,14 @@
             <a:r>
               <a:rPr lang="en-US" sz="1400" dirty="0" err="1" smtClean="0">
                 <a:solidFill>
-                  <a:schemeClr val="tx1"/>
+                  <a:srgbClr val="FF0000"/>
                 </a:solidFill>
               </a:rPr>
               <a:t>ReceiptTag</a:t>
             </a:r>
             <a:endParaRPr lang="en-US" sz="1400" dirty="0" smtClean="0">
               <a:solidFill>
-                <a:schemeClr val="tx1"/>
+                <a:srgbClr val="FF0000"/>
               </a:solidFill>
             </a:endParaRPr>
           </a:p>
@@ -3563,14 +3568,14 @@
             <a:r>
               <a:rPr lang="en-US" sz="1400" dirty="0" err="1" smtClean="0">
                 <a:solidFill>
-                  <a:schemeClr val="tx1"/>
+                  <a:srgbClr val="FF0000"/>
                 </a:solidFill>
               </a:rPr>
               <a:t>Receipt_Id</a:t>
             </a:r>
             <a:endParaRPr lang="en-US" sz="1400" dirty="0" smtClean="0">
               <a:solidFill>
-                <a:schemeClr val="tx1"/>
+                <a:srgbClr val="FF0000"/>
               </a:solidFill>
             </a:endParaRPr>
           </a:p>
@@ -3578,28 +3583,28 @@
             <a:r>
               <a:rPr lang="en-US" sz="1400" dirty="0" err="1" smtClean="0">
                 <a:solidFill>
-                  <a:schemeClr val="tx1"/>
+                  <a:srgbClr val="FF0000"/>
                 </a:solidFill>
               </a:rPr>
               <a:t>Tag_id</a:t>
             </a:r>
             <a:endParaRPr lang="en-US" sz="1400" dirty="0" smtClean="0">
               <a:solidFill>
-                <a:schemeClr val="tx1"/>
+                <a:srgbClr val="FF0000"/>
               </a:solidFill>
             </a:endParaRPr>
           </a:p>
           <a:p>
             <a:endParaRPr lang="en-US" sz="1400" dirty="0" smtClean="0">
               <a:solidFill>
-                <a:schemeClr val="tx1"/>
+                <a:srgbClr val="FF0000"/>
               </a:solidFill>
             </a:endParaRPr>
           </a:p>
           <a:p>
             <a:endParaRPr lang="en-US" sz="1400" dirty="0">
               <a:solidFill>
-                <a:schemeClr val="tx1"/>
+                <a:srgbClr val="FF0000"/>
               </a:solidFill>
             </a:endParaRPr>
           </a:p>
@@ -3787,6 +3792,21 @@
             <a:endParaRPr lang="en-US" sz="1400" dirty="0" smtClean="0">
               <a:solidFill>
                 <a:schemeClr val="tx1"/>
+              </a:solidFill>
+            </a:endParaRPr>
+          </a:p>
+          <a:p>
+            <a:r>
+              <a:rPr lang="en-US" sz="1400" dirty="0" err="1" smtClean="0">
+                <a:solidFill>
+                  <a:srgbClr val="FF0000"/>
+                </a:solidFill>
+              </a:rPr>
+              <a:t>phonenumber</a:t>
+            </a:r>
+            <a:endParaRPr lang="en-US" sz="1400" dirty="0" smtClean="0">
+              <a:solidFill>
+                <a:srgbClr val="FF0000"/>
               </a:solidFill>
             </a:endParaRPr>
           </a:p>
